--- a/Lecture03_MultivariateOLS1/Lecture3_MultivariateOLS_2022F.pptx
+++ b/Lecture03_MultivariateOLS1/Lecture3_MultivariateOLS_2022F.pptx
@@ -5,7 +5,7 @@
     <p:sldMasterId id="2147483738" r:id="rId1"/>
   </p:sldMasterIdLst>
   <p:notesMasterIdLst>
-    <p:notesMasterId r:id="rId36"/>
+    <p:notesMasterId r:id="rId37"/>
   </p:notesMasterIdLst>
   <p:sldIdLst>
     <p:sldId id="256" r:id="rId2"/>
@@ -42,6 +42,7 @@
     <p:sldId id="401" r:id="rId33"/>
     <p:sldId id="402" r:id="rId34"/>
     <p:sldId id="403" r:id="rId35"/>
+    <p:sldId id="404" r:id="rId36"/>
   </p:sldIdLst>
   <p:sldSz cx="12192000" cy="6858000"/>
   <p:notesSz cx="7010400" cy="9296400"/>
@@ -241,7 +242,7 @@
           <a:p>
             <a:fld id="{EF911157-0FC2-4F06-8D61-FD647FE4E19D}" type="datetimeFigureOut">
               <a:rPr lang="en-US" smtClean="0"/>
-              <a:t>6/18/2022</a:t>
+              <a:t>8/9/2022</a:t>
             </a:fld>
             <a:endParaRPr lang="en-US"/>
           </a:p>
@@ -602,6 +603,93 @@
 </file>
 
 <file path=ppt/notesSlides/notesSlide2.xml><?xml version="1.0" encoding="utf-8"?>
+<p:notes xmlns:a="http://schemas.openxmlformats.org/drawingml/2006/main" xmlns:r="http://schemas.openxmlformats.org/officeDocument/2006/relationships" xmlns:p="http://schemas.openxmlformats.org/presentationml/2006/main">
+  <p:cSld>
+    <p:spTree>
+      <p:nvGrpSpPr>
+        <p:cNvPr id="1" name=""/>
+        <p:cNvGrpSpPr/>
+        <p:nvPr/>
+      </p:nvGrpSpPr>
+      <p:grpSpPr>
+        <a:xfrm>
+          <a:off x="0" y="0"/>
+          <a:ext cx="0" cy="0"/>
+          <a:chOff x="0" y="0"/>
+          <a:chExt cx="0" cy="0"/>
+        </a:xfrm>
+      </p:grpSpPr>
+      <p:sp>
+        <p:nvSpPr>
+          <p:cNvPr id="2" name="Slide Image Placeholder 1"/>
+          <p:cNvSpPr>
+            <a:spLocks noGrp="1" noRot="1" noChangeAspect="1"/>
+          </p:cNvSpPr>
+          <p:nvPr>
+            <p:ph type="sldImg"/>
+          </p:nvPr>
+        </p:nvSpPr>
+        <p:spPr/>
+      </p:sp>
+      <p:sp>
+        <p:nvSpPr>
+          <p:cNvPr id="3" name="Notes Placeholder 2"/>
+          <p:cNvSpPr>
+            <a:spLocks noGrp="1"/>
+          </p:cNvSpPr>
+          <p:nvPr>
+            <p:ph type="body" idx="1"/>
+          </p:nvPr>
+        </p:nvSpPr>
+        <p:spPr/>
+        <p:txBody>
+          <a:bodyPr/>
+          <a:lstStyle/>
+          <a:p>
+            <a:r>
+              <a:rPr lang="en-US" dirty="0"/>
+              <a:t>This is not a trick question – think back to our frameworks!</a:t>
+            </a:r>
+          </a:p>
+        </p:txBody>
+      </p:sp>
+      <p:sp>
+        <p:nvSpPr>
+          <p:cNvPr id="4" name="Slide Number Placeholder 3"/>
+          <p:cNvSpPr>
+            <a:spLocks noGrp="1"/>
+          </p:cNvSpPr>
+          <p:nvPr>
+            <p:ph type="sldNum" sz="quarter" idx="5"/>
+          </p:nvPr>
+        </p:nvSpPr>
+        <p:spPr/>
+        <p:txBody>
+          <a:bodyPr/>
+          <a:lstStyle/>
+          <a:p>
+            <a:fld id="{4AF79E1B-2C51-4B9B-8EA4-26DE9E345AFF}" type="slidenum">
+              <a:rPr lang="en-US" smtClean="0"/>
+              <a:t>5</a:t>
+            </a:fld>
+            <a:endParaRPr lang="en-US"/>
+          </a:p>
+        </p:txBody>
+      </p:sp>
+    </p:spTree>
+    <p:extLst>
+      <p:ext uri="{BB962C8B-B14F-4D97-AF65-F5344CB8AC3E}">
+        <p14:creationId xmlns:p14="http://schemas.microsoft.com/office/powerpoint/2010/main" val="727626021"/>
+      </p:ext>
+    </p:extLst>
+  </p:cSld>
+  <p:clrMapOvr>
+    <a:masterClrMapping/>
+  </p:clrMapOvr>
+</p:notes>
+</file>
+
+<file path=ppt/notesSlides/notesSlide3.xml><?xml version="1.0" encoding="utf-8"?>
 <p:notes xmlns:a="http://schemas.openxmlformats.org/drawingml/2006/main" xmlns:r="http://schemas.openxmlformats.org/officeDocument/2006/relationships" xmlns:p="http://schemas.openxmlformats.org/presentationml/2006/main">
   <p:cSld>
     <p:spTree>
@@ -1473,7 +1561,7 @@
             <a:fld id="{0972D05C-DCFB-4BB6-B49C-AC126BF3ED2C}" type="datetimeFigureOut">
               <a:rPr lang="en-US" smtClean="0"/>
               <a:pPr/>
-              <a:t>6/18/2022</a:t>
+              <a:t>8/9/2022</a:t>
             </a:fld>
             <a:endParaRPr lang="en-US"/>
           </a:p>
@@ -1703,7 +1791,7 @@
             <a:fld id="{0972D05C-DCFB-4BB6-B49C-AC126BF3ED2C}" type="datetimeFigureOut">
               <a:rPr lang="en-US" smtClean="0"/>
               <a:pPr/>
-              <a:t>6/18/2022</a:t>
+              <a:t>8/9/2022</a:t>
             </a:fld>
             <a:endParaRPr lang="en-US"/>
           </a:p>
@@ -1885,7 +1973,7 @@
             <a:fld id="{0972D05C-DCFB-4BB6-B49C-AC126BF3ED2C}" type="datetimeFigureOut">
               <a:rPr lang="en-US" smtClean="0"/>
               <a:pPr/>
-              <a:t>6/18/2022</a:t>
+              <a:t>8/9/2022</a:t>
             </a:fld>
             <a:endParaRPr lang="en-US"/>
           </a:p>
@@ -2057,7 +2145,7 @@
             <a:fld id="{0972D05C-DCFB-4BB6-B49C-AC126BF3ED2C}" type="datetimeFigureOut">
               <a:rPr lang="en-US" smtClean="0"/>
               <a:pPr/>
-              <a:t>6/18/2022</a:t>
+              <a:t>8/9/2022</a:t>
             </a:fld>
             <a:endParaRPr lang="en-US"/>
           </a:p>
@@ -2313,7 +2401,7 @@
             <a:fld id="{0972D05C-DCFB-4BB6-B49C-AC126BF3ED2C}" type="datetimeFigureOut">
               <a:rPr lang="en-US" smtClean="0"/>
               <a:pPr/>
-              <a:t>6/18/2022</a:t>
+              <a:t>8/9/2022</a:t>
             </a:fld>
             <a:endParaRPr lang="en-US"/>
           </a:p>
@@ -2641,7 +2729,7 @@
             <a:fld id="{0972D05C-DCFB-4BB6-B49C-AC126BF3ED2C}" type="datetimeFigureOut">
               <a:rPr lang="en-US" smtClean="0"/>
               <a:pPr/>
-              <a:t>6/18/2022</a:t>
+              <a:t>8/9/2022</a:t>
             </a:fld>
             <a:endParaRPr lang="en-US"/>
           </a:p>
@@ -3094,7 +3182,7 @@
             <a:fld id="{0972D05C-DCFB-4BB6-B49C-AC126BF3ED2C}" type="datetimeFigureOut">
               <a:rPr lang="en-US" smtClean="0"/>
               <a:pPr/>
-              <a:t>6/18/2022</a:t>
+              <a:t>8/9/2022</a:t>
             </a:fld>
             <a:endParaRPr lang="en-US"/>
           </a:p>
@@ -3214,7 +3302,7 @@
             <a:fld id="{0972D05C-DCFB-4BB6-B49C-AC126BF3ED2C}" type="datetimeFigureOut">
               <a:rPr lang="en-US" smtClean="0"/>
               <a:pPr/>
-              <a:t>6/18/2022</a:t>
+              <a:t>8/9/2022</a:t>
             </a:fld>
             <a:endParaRPr lang="en-US"/>
           </a:p>
@@ -3311,7 +3399,7 @@
             <a:fld id="{0972D05C-DCFB-4BB6-B49C-AC126BF3ED2C}" type="datetimeFigureOut">
               <a:rPr lang="en-US" smtClean="0"/>
               <a:pPr/>
-              <a:t>6/18/2022</a:t>
+              <a:t>8/9/2022</a:t>
             </a:fld>
             <a:endParaRPr lang="en-US"/>
           </a:p>
@@ -3600,7 +3688,7 @@
             <a:fld id="{0972D05C-DCFB-4BB6-B49C-AC126BF3ED2C}" type="datetimeFigureOut">
               <a:rPr lang="en-US" smtClean="0"/>
               <a:pPr/>
-              <a:t>6/18/2022</a:t>
+              <a:t>8/9/2022</a:t>
             </a:fld>
             <a:endParaRPr lang="en-US"/>
           </a:p>
@@ -3924,7 +4012,7 @@
             <a:fld id="{0972D05C-DCFB-4BB6-B49C-AC126BF3ED2C}" type="datetimeFigureOut">
               <a:rPr lang="en-US" smtClean="0"/>
               <a:pPr/>
-              <a:t>6/18/2022</a:t>
+              <a:t>8/9/2022</a:t>
             </a:fld>
             <a:endParaRPr lang="en-US"/>
           </a:p>
@@ -4179,7 +4267,7 @@
             <a:fld id="{0972D05C-DCFB-4BB6-B49C-AC126BF3ED2C}" type="datetimeFigureOut">
               <a:rPr lang="en-US" smtClean="0"/>
               <a:pPr/>
-              <a:t>6/18/2022</a:t>
+              <a:t>8/9/2022</a:t>
             </a:fld>
             <a:endParaRPr lang="en-US" dirty="0"/>
           </a:p>
@@ -20256,6 +20344,143 @@
 </p:sld>
 </file>
 
+<file path=ppt/slides/slide35.xml><?xml version="1.0" encoding="utf-8"?>
+<p:sld xmlns:a="http://schemas.openxmlformats.org/drawingml/2006/main" xmlns:r="http://schemas.openxmlformats.org/officeDocument/2006/relationships" xmlns:p="http://schemas.openxmlformats.org/presentationml/2006/main">
+  <p:cSld>
+    <p:spTree>
+      <p:nvGrpSpPr>
+        <p:cNvPr id="1" name=""/>
+        <p:cNvGrpSpPr/>
+        <p:nvPr/>
+      </p:nvGrpSpPr>
+      <p:grpSpPr>
+        <a:xfrm>
+          <a:off x="0" y="0"/>
+          <a:ext cx="0" cy="0"/>
+          <a:chOff x="0" y="0"/>
+          <a:chExt cx="0" cy="0"/>
+        </a:xfrm>
+      </p:grpSpPr>
+      <p:sp>
+        <p:nvSpPr>
+          <p:cNvPr id="2" name="Title 1"/>
+          <p:cNvSpPr>
+            <a:spLocks noGrp="1"/>
+          </p:cNvSpPr>
+          <p:nvPr>
+            <p:ph type="title"/>
+          </p:nvPr>
+        </p:nvSpPr>
+        <p:spPr>
+          <a:xfrm>
+            <a:off x="609600" y="272077"/>
+            <a:ext cx="10439400" cy="624840"/>
+          </a:xfrm>
+        </p:spPr>
+        <p:txBody>
+          <a:bodyPr>
+            <a:noAutofit/>
+          </a:bodyPr>
+          <a:lstStyle/>
+          <a:p>
+            <a:r>
+              <a:rPr lang="en-US" sz="3600" dirty="0">
+                <a:cs typeface="Times New Roman" panose="02020603050405020304" pitchFamily="18" charset="0"/>
+              </a:rPr>
+              <a:t>Summary</a:t>
+            </a:r>
+            <a:endParaRPr lang="en-US" sz="3600" dirty="0">
+              <a:latin typeface="Times New Roman" panose="02020603050405020304" pitchFamily="18" charset="0"/>
+              <a:cs typeface="Times New Roman" panose="02020603050405020304" pitchFamily="18" charset="0"/>
+            </a:endParaRPr>
+          </a:p>
+        </p:txBody>
+      </p:sp>
+      <p:sp>
+        <p:nvSpPr>
+          <p:cNvPr id="3" name="Content Placeholder 2"/>
+          <p:cNvSpPr>
+            <a:spLocks noGrp="1"/>
+          </p:cNvSpPr>
+          <p:nvPr>
+            <p:ph idx="1"/>
+          </p:nvPr>
+        </p:nvSpPr>
+        <p:spPr>
+          <a:xfrm>
+            <a:off x="609601" y="1066801"/>
+            <a:ext cx="10439400" cy="5141388"/>
+          </a:xfrm>
+        </p:spPr>
+        <p:txBody>
+          <a:bodyPr>
+            <a:normAutofit/>
+          </a:bodyPr>
+          <a:lstStyle/>
+          <a:p>
+            <a:r>
+              <a:rPr lang="en-US" sz="2200" dirty="0">
+                <a:cs typeface="Times New Roman" panose="02020603050405020304" pitchFamily="18" charset="0"/>
+              </a:rPr>
+              <a:t>Put this TRIPOD checklist somewhere: </a:t>
+            </a:r>
+          </a:p>
+        </p:txBody>
+      </p:sp>
+      <p:sp>
+        <p:nvSpPr>
+          <p:cNvPr id="5" name="TextBox 4">
+            <a:extLst>
+              <a:ext uri="{FF2B5EF4-FFF2-40B4-BE49-F238E27FC236}">
+                <a16:creationId xmlns:a16="http://schemas.microsoft.com/office/drawing/2014/main" id="{546D7DB0-7FB9-4CB5-6B20-EAD457690BCB}"/>
+              </a:ext>
+            </a:extLst>
+          </p:cNvPr>
+          <p:cNvSpPr txBox="1"/>
+          <p:nvPr/>
+        </p:nvSpPr>
+        <p:spPr>
+          <a:xfrm>
+            <a:off x="3050722" y="2967335"/>
+            <a:ext cx="6101442" cy="923330"/>
+          </a:xfrm>
+          <a:prstGeom prst="rect">
+            <a:avLst/>
+          </a:prstGeom>
+          <a:noFill/>
+        </p:spPr>
+        <p:txBody>
+          <a:bodyPr wrap="square">
+            <a:spAutoFit/>
+          </a:bodyPr>
+          <a:lstStyle/>
+          <a:p>
+            <a:r>
+              <a:rPr lang="en-US" dirty="0">
+                <a:hlinkClick r:id="rId2"/>
+              </a:rPr>
+              <a:t>https://www.tripod-statement.org/wp-content/uploads/2020/01/Tripod-Checlist-Prediction-Model-Development.pdf</a:t>
+            </a:r>
+            <a:r>
+              <a:rPr lang="en-US" dirty="0"/>
+              <a:t> </a:t>
+            </a:r>
+          </a:p>
+        </p:txBody>
+      </p:sp>
+    </p:spTree>
+    <p:extLst>
+      <p:ext uri="{BB962C8B-B14F-4D97-AF65-F5344CB8AC3E}">
+        <p14:creationId xmlns:p14="http://schemas.microsoft.com/office/powerpoint/2010/main" val="2690584488"/>
+      </p:ext>
+    </p:extLst>
+  </p:cSld>
+  <p:clrMapOvr>
+    <a:masterClrMapping/>
+  </p:clrMapOvr>
+</p:sld>
+</file>
+
 <file path=ppt/slides/slide4.xml><?xml version="1.0" encoding="utf-8"?>
 <p:sld xmlns:a="http://schemas.openxmlformats.org/drawingml/2006/main" xmlns:r="http://schemas.openxmlformats.org/officeDocument/2006/relationships" xmlns:p="http://schemas.openxmlformats.org/presentationml/2006/main">
   <p:cSld>
@@ -20391,8 +20616,8 @@
           </a:p>
         </p:txBody>
       </p:sp>
-      <mc:AlternateContent xmlns:mc="http://schemas.openxmlformats.org/markup-compatibility/2006" xmlns:a14="http://schemas.microsoft.com/office/drawing/2010/main">
-        <mc:Choice Requires="a14">
+      <mc:AlternateContent xmlns:mc="http://schemas.openxmlformats.org/markup-compatibility/2006">
+        <mc:Choice xmlns:a14="http://schemas.microsoft.com/office/drawing/2010/main" Requires="a14">
           <p:sp>
             <p:nvSpPr>
               <p:cNvPr id="3" name="Content Placeholder 2"/>
@@ -20425,7 +20650,7 @@
                     </m:oMathParaPr>
                     <m:oMath xmlns:m="http://schemas.openxmlformats.org/officeDocument/2006/math">
                       <m:r>
-                        <a:rPr lang="en-CA" sz="2200" b="0" i="1" smtClean="0">
+                        <a:rPr lang="en-CA" sz="2400" b="0" i="1" smtClean="0">
                           <a:solidFill>
                             <a:schemeClr val="tx1"/>
                           </a:solidFill>
@@ -20436,7 +20661,7 @@
                         <m:t>𝑦</m:t>
                       </m:r>
                       <m:r>
-                        <a:rPr lang="en-CA" sz="2200" b="0" i="1" smtClean="0">
+                        <a:rPr lang="en-CA" sz="2400" b="0" i="1" smtClean="0">
                           <a:solidFill>
                             <a:schemeClr val="tx1"/>
                           </a:solidFill>
@@ -20449,7 +20674,7 @@
                       <m:sSub>
                         <m:sSubPr>
                           <m:ctrlPr>
-                            <a:rPr lang="en-CA" sz="2200" b="0" i="1" smtClean="0">
+                            <a:rPr lang="en-CA" sz="2400" b="0" i="1" smtClean="0">
                               <a:solidFill>
                                 <a:schemeClr val="tx1"/>
                               </a:solidFill>
@@ -20461,7 +20686,7 @@
                         </m:sSubPr>
                         <m:e>
                           <m:r>
-                            <a:rPr lang="en-CA" sz="2200" b="0" i="1" smtClean="0">
+                            <a:rPr lang="en-CA" sz="2400" b="0" i="1" smtClean="0">
                               <a:solidFill>
                                 <a:schemeClr val="tx1"/>
                               </a:solidFill>
@@ -20474,7 +20699,7 @@
                         </m:e>
                         <m:sub>
                           <m:r>
-                            <a:rPr lang="en-US" sz="2200" b="0" i="1" smtClean="0">
+                            <a:rPr lang="en-US" sz="2400" b="0" i="1" smtClean="0">
                               <a:solidFill>
                                 <a:schemeClr val="tx1"/>
                               </a:solidFill>
@@ -20487,7 +20712,7 @@
                         </m:sub>
                       </m:sSub>
                       <m:r>
-                        <a:rPr lang="en-CA" sz="2200" b="0" i="1" smtClean="0">
+                        <a:rPr lang="en-CA" sz="2400" b="0" i="1" smtClean="0">
                           <a:solidFill>
                             <a:schemeClr val="tx1"/>
                           </a:solidFill>
@@ -20500,7 +20725,7 @@
                       <m:sSub>
                         <m:sSubPr>
                           <m:ctrlPr>
-                            <a:rPr lang="en-CA" sz="2200" b="0" i="1" smtClean="0">
+                            <a:rPr lang="en-CA" sz="2400" b="0" i="1" smtClean="0">
                               <a:solidFill>
                                 <a:schemeClr val="tx1"/>
                               </a:solidFill>
@@ -20512,7 +20737,7 @@
                         </m:sSubPr>
                         <m:e>
                           <m:r>
-                            <a:rPr lang="en-CA" sz="2200" b="0" i="1" smtClean="0">
+                            <a:rPr lang="en-CA" sz="2400" b="0" i="1" smtClean="0">
                               <a:solidFill>
                                 <a:schemeClr val="tx1"/>
                               </a:solidFill>
@@ -20525,7 +20750,7 @@
                         </m:e>
                         <m:sub>
                           <m:r>
-                            <a:rPr lang="en-US" sz="2200" b="0" i="1" smtClean="0">
+                            <a:rPr lang="en-US" sz="2400" b="0" i="1" smtClean="0">
                               <a:solidFill>
                                 <a:schemeClr val="tx1"/>
                               </a:solidFill>
@@ -20540,7 +20765,7 @@
                       <m:sSub>
                         <m:sSubPr>
                           <m:ctrlPr>
-                            <a:rPr lang="en-US" sz="2200" b="0" i="1" smtClean="0">
+                            <a:rPr lang="en-US" sz="2400" b="0" i="1" smtClean="0">
                               <a:solidFill>
                                 <a:schemeClr val="tx1"/>
                               </a:solidFill>
@@ -20552,7 +20777,7 @@
                         </m:sSubPr>
                         <m:e>
                           <m:r>
-                            <a:rPr lang="en-US" sz="2200" b="0" i="1" smtClean="0">
+                            <a:rPr lang="en-US" sz="2400" b="0" i="1" smtClean="0">
                               <a:solidFill>
                                 <a:schemeClr val="tx1"/>
                               </a:solidFill>
@@ -20565,7 +20790,7 @@
                         </m:e>
                         <m:sub>
                           <m:r>
-                            <a:rPr lang="en-US" sz="2200" b="0" i="1" smtClean="0">
+                            <a:rPr lang="en-US" sz="2400" b="0" i="1" smtClean="0">
                               <a:solidFill>
                                 <a:schemeClr val="tx1"/>
                               </a:solidFill>
@@ -20578,7 +20803,7 @@
                         </m:sub>
                       </m:sSub>
                       <m:r>
-                        <a:rPr lang="en-US" sz="2200" b="0" i="1" smtClean="0">
+                        <a:rPr lang="en-US" sz="2400" b="0" i="1" smtClean="0">
                           <a:solidFill>
                             <a:schemeClr val="tx1"/>
                           </a:solidFill>
@@ -20591,7 +20816,7 @@
                       <m:sSub>
                         <m:sSubPr>
                           <m:ctrlPr>
-                            <a:rPr lang="en-US" sz="2200" b="0" i="1" smtClean="0">
+                            <a:rPr lang="en-US" sz="2400" b="0" i="1" smtClean="0">
                               <a:solidFill>
                                 <a:schemeClr val="tx1"/>
                               </a:solidFill>
@@ -20603,7 +20828,7 @@
                         </m:sSubPr>
                         <m:e>
                           <m:r>
-                            <a:rPr lang="en-US" sz="2200" b="0" i="1" smtClean="0">
+                            <a:rPr lang="en-US" sz="2400" b="0" i="1" smtClean="0">
                               <a:solidFill>
                                 <a:schemeClr val="tx1"/>
                               </a:solidFill>
@@ -20616,7 +20841,7 @@
                         </m:e>
                         <m:sub>
                           <m:r>
-                            <a:rPr lang="en-US" sz="2200" b="0" i="1" smtClean="0">
+                            <a:rPr lang="en-US" sz="2400" b="0" i="1" smtClean="0">
                               <a:solidFill>
                                 <a:schemeClr val="tx1"/>
                               </a:solidFill>
@@ -20631,7 +20856,7 @@
                       <m:sSub>
                         <m:sSubPr>
                           <m:ctrlPr>
-                            <a:rPr lang="en-US" sz="2200" b="0" i="1" smtClean="0">
+                            <a:rPr lang="en-US" sz="2400" b="0" i="1" smtClean="0">
                               <a:solidFill>
                                 <a:schemeClr val="tx1"/>
                               </a:solidFill>
@@ -20643,7 +20868,7 @@
                         </m:sSubPr>
                         <m:e>
                           <m:r>
-                            <a:rPr lang="en-US" sz="2200" b="0" i="1" smtClean="0">
+                            <a:rPr lang="en-US" sz="2400" b="0" i="1" smtClean="0">
                               <a:solidFill>
                                 <a:schemeClr val="tx1"/>
                               </a:solidFill>
@@ -20656,7 +20881,7 @@
                         </m:e>
                         <m:sub>
                           <m:r>
-                            <a:rPr lang="en-US" sz="2200" b="0" i="1" smtClean="0">
+                            <a:rPr lang="en-US" sz="2400" b="0" i="1" smtClean="0">
                               <a:solidFill>
                                 <a:schemeClr val="tx1"/>
                               </a:solidFill>
@@ -20669,7 +20894,7 @@
                         </m:sub>
                       </m:sSub>
                       <m:r>
-                        <a:rPr lang="en-US" sz="2200" b="0" i="1" smtClean="0">
+                        <a:rPr lang="en-US" sz="2400" b="0" i="1" smtClean="0">
                           <a:solidFill>
                             <a:schemeClr val="tx1"/>
                           </a:solidFill>
@@ -20682,7 +20907,7 @@
                       <m:sSub>
                         <m:sSubPr>
                           <m:ctrlPr>
-                            <a:rPr lang="en-US" sz="2200" b="0" i="1" smtClean="0">
+                            <a:rPr lang="en-US" sz="2400" b="0" i="1" smtClean="0">
                               <a:solidFill>
                                 <a:schemeClr val="tx1"/>
                               </a:solidFill>
@@ -20694,7 +20919,7 @@
                         </m:sSubPr>
                         <m:e>
                           <m:r>
-                            <a:rPr lang="en-US" sz="2200" b="0" i="1" smtClean="0">
+                            <a:rPr lang="en-US" sz="2400" b="0" i="1" smtClean="0">
                               <a:solidFill>
                                 <a:schemeClr val="tx1"/>
                               </a:solidFill>
@@ -20707,7 +20932,7 @@
                         </m:e>
                         <m:sub>
                           <m:r>
-                            <a:rPr lang="en-US" sz="2200" b="0" i="1" smtClean="0">
+                            <a:rPr lang="en-US" sz="2400" b="0" i="1" smtClean="0">
                               <a:solidFill>
                                 <a:schemeClr val="tx1"/>
                               </a:solidFill>
@@ -20722,7 +20947,7 @@
                       <m:sSub>
                         <m:sSubPr>
                           <m:ctrlPr>
-                            <a:rPr lang="en-US" sz="2200" b="0" i="1" smtClean="0">
+                            <a:rPr lang="en-US" sz="2400" b="0" i="1" smtClean="0">
                               <a:solidFill>
                                 <a:schemeClr val="tx1"/>
                               </a:solidFill>
@@ -20734,7 +20959,7 @@
                         </m:sSubPr>
                         <m:e>
                           <m:r>
-                            <a:rPr lang="en-US" sz="2200" b="0" i="1" smtClean="0">
+                            <a:rPr lang="en-US" sz="2400" b="0" i="1" smtClean="0">
                               <a:solidFill>
                                 <a:schemeClr val="tx1"/>
                               </a:solidFill>
@@ -20747,7 +20972,7 @@
                         </m:e>
                         <m:sub>
                           <m:r>
-                            <a:rPr lang="en-US" sz="2200" b="0" i="1" smtClean="0">
+                            <a:rPr lang="en-US" sz="2400" b="0" i="1" smtClean="0">
                               <a:solidFill>
                                 <a:schemeClr val="tx1"/>
                               </a:solidFill>
@@ -20760,7 +20985,7 @@
                         </m:sub>
                       </m:sSub>
                       <m:r>
-                        <a:rPr lang="en-CA" sz="2200" b="0" i="1" smtClean="0">
+                        <a:rPr lang="en-CA" sz="2400" b="0" i="1" smtClean="0">
                           <a:solidFill>
                             <a:schemeClr val="tx1"/>
                           </a:solidFill>
@@ -20771,7 +20996,7 @@
                         <m:t>+</m:t>
                       </m:r>
                       <m:r>
-                        <a:rPr lang="en-US" sz="2200" b="0" i="1" smtClean="0">
+                        <a:rPr lang="en-US" sz="2400" b="0" i="1" smtClean="0">
                           <a:solidFill>
                             <a:schemeClr val="tx1"/>
                           </a:solidFill>
@@ -20784,7 +21009,7 @@
                     </m:oMath>
                   </m:oMathPara>
                 </a14:m>
-                <a:endParaRPr lang="en-CA" sz="2200" dirty="0">
+                <a:endParaRPr lang="en-CA" sz="2400" dirty="0">
                   <a:solidFill>
                     <a:schemeClr val="tx1"/>
                   </a:solidFill>
@@ -20797,7 +21022,7 @@
                 <a14:m>
                   <m:oMath xmlns:m="http://schemas.openxmlformats.org/officeDocument/2006/math">
                     <m:r>
-                      <a:rPr lang="en-US" sz="2200" b="0" i="1" smtClean="0">
+                      <a:rPr lang="en-US" sz="2400" b="0" i="1" smtClean="0">
                         <a:latin typeface="Cambria Math" panose="02040503050406030204" pitchFamily="18" charset="0"/>
                         <a:cs typeface="Times New Roman" panose="02020603050405020304" pitchFamily="18" charset="0"/>
                       </a:rPr>
@@ -20806,7 +21031,7 @@
                   </m:oMath>
                 </a14:m>
                 <a:r>
-                  <a:rPr lang="en-US" sz="2200" dirty="0">
+                  <a:rPr lang="en-US" sz="2400" dirty="0">
                     <a:cs typeface="Times New Roman" panose="02020603050405020304" pitchFamily="18" charset="0"/>
                   </a:rPr>
                   <a:t> is the dependent variable (outcome)</a:t>
@@ -20814,7 +21039,7 @@
               </a:p>
               <a:p>
                 <a:r>
-                  <a:rPr lang="en-US" sz="2200" b="0" dirty="0">
+                  <a:rPr lang="en-US" sz="2400" b="0" dirty="0">
                     <a:cs typeface="Times New Roman" panose="02020603050405020304" pitchFamily="18" charset="0"/>
                   </a:rPr>
                   <a:t>Each </a:t>
@@ -20824,7 +21049,7 @@
                     <m:sSub>
                       <m:sSubPr>
                         <m:ctrlPr>
-                          <a:rPr lang="en-US" sz="2200" b="0" i="1" smtClean="0">
+                          <a:rPr lang="en-US" sz="2400" b="0" i="1" smtClean="0">
                             <a:latin typeface="Cambria Math" panose="02040503050406030204" pitchFamily="18" charset="0"/>
                             <a:cs typeface="Times New Roman" panose="02020603050405020304" pitchFamily="18" charset="0"/>
                           </a:rPr>
@@ -20832,7 +21057,7 @@
                       </m:sSubPr>
                       <m:e>
                         <m:r>
-                          <a:rPr lang="en-US" sz="2200" b="0" i="1" smtClean="0">
+                          <a:rPr lang="en-US" sz="2400" b="0" i="1" smtClean="0">
                             <a:latin typeface="Cambria Math" panose="02040503050406030204" pitchFamily="18" charset="0"/>
                             <a:cs typeface="Times New Roman" panose="02020603050405020304" pitchFamily="18" charset="0"/>
                           </a:rPr>
@@ -20841,7 +21066,7 @@
                       </m:e>
                       <m:sub>
                         <m:r>
-                          <a:rPr lang="en-US" sz="2200" b="0" i="1" smtClean="0">
+                          <a:rPr lang="en-US" sz="2400" b="0" i="1" smtClean="0">
                             <a:latin typeface="Cambria Math" panose="02040503050406030204" pitchFamily="18" charset="0"/>
                             <a:cs typeface="Times New Roman" panose="02020603050405020304" pitchFamily="18" charset="0"/>
                           </a:rPr>
@@ -20852,7 +21077,7 @@
                   </m:oMath>
                 </a14:m>
                 <a:r>
-                  <a:rPr lang="en-US" sz="2200" dirty="0">
+                  <a:rPr lang="en-US" sz="2400" dirty="0">
                     <a:cs typeface="Times New Roman" panose="02020603050405020304" pitchFamily="18" charset="0"/>
                   </a:rPr>
                   <a:t> is a different independent variable:</a:t>
@@ -20861,7 +21086,7 @@
               <a:p>
                 <a:pPr lvl="1"/>
                 <a:r>
-                  <a:rPr lang="en-US" sz="2000" dirty="0">
+                  <a:rPr lang="en-US" sz="2400" dirty="0">
                     <a:cs typeface="Times New Roman" panose="02020603050405020304" pitchFamily="18" charset="0"/>
                   </a:rPr>
                   <a:t>Treatment status</a:t>
@@ -20870,7 +21095,7 @@
               <a:p>
                 <a:pPr lvl="1"/>
                 <a:r>
-                  <a:rPr lang="en-US" sz="2000" dirty="0">
+                  <a:rPr lang="en-US" sz="2400" dirty="0">
                     <a:cs typeface="Times New Roman" panose="02020603050405020304" pitchFamily="18" charset="0"/>
                   </a:rPr>
                   <a:t>Demographics (race, income, education, location, etc.)</a:t>
@@ -20878,21 +21103,21 @@
               </a:p>
               <a:p>
                 <a:r>
-                  <a:rPr lang="en-US" sz="2200" b="1" dirty="0">
+                  <a:rPr lang="en-US" sz="2400" b="1" dirty="0">
                     <a:cs typeface="Times New Roman" panose="02020603050405020304" pitchFamily="18" charset="0"/>
                   </a:rPr>
                   <a:t>Why would we want to include multiple variables in a regression? </a:t>
                 </a:r>
               </a:p>
               <a:p>
-                <a:endParaRPr lang="en-US" sz="2200" dirty="0">
+                <a:endParaRPr lang="en-US" sz="2400" dirty="0">
                   <a:cs typeface="Times New Roman" panose="02020603050405020304" pitchFamily="18" charset="0"/>
                 </a:endParaRPr>
               </a:p>
             </p:txBody>
           </p:sp>
         </mc:Choice>
-        <mc:Fallback xmlns="">
+        <mc:Fallback>
           <p:sp>
             <p:nvSpPr>
               <p:cNvPr id="3" name="Content Placeholder 2"/>
@@ -20909,9 +21134,9 @@
                 <a:ext cx="9405791" cy="5141388"/>
               </a:xfrm>
               <a:blipFill>
-                <a:blip r:embed="rId2"/>
+                <a:blip r:embed="rId3"/>
                 <a:stretch>
-                  <a:fillRect l="-389"/>
+                  <a:fillRect l="-454"/>
                 </a:stretch>
               </a:blipFill>
             </p:spPr>
@@ -20995,8 +21220,8 @@
           </a:p>
         </p:txBody>
       </p:sp>
-      <mc:AlternateContent xmlns:mc="http://schemas.openxmlformats.org/markup-compatibility/2006" xmlns:a14="http://schemas.microsoft.com/office/drawing/2010/main">
-        <mc:Choice Requires="a14">
+      <mc:AlternateContent xmlns:mc="http://schemas.openxmlformats.org/markup-compatibility/2006">
+        <mc:Choice xmlns:a14="http://schemas.microsoft.com/office/drawing/2010/main" Requires="a14">
           <p:sp>
             <p:nvSpPr>
               <p:cNvPr id="3" name="Content Placeholder 2"/>
@@ -21029,7 +21254,7 @@
                     </m:oMathParaPr>
                     <m:oMath xmlns:m="http://schemas.openxmlformats.org/officeDocument/2006/math">
                       <m:r>
-                        <a:rPr lang="en-CA" sz="2200" b="0" i="1" smtClean="0">
+                        <a:rPr lang="en-CA" sz="2400" b="0" i="1" smtClean="0">
                           <a:solidFill>
                             <a:schemeClr val="tx1"/>
                           </a:solidFill>
@@ -21040,7 +21265,7 @@
                         <m:t>𝑦</m:t>
                       </m:r>
                       <m:r>
-                        <a:rPr lang="en-CA" sz="2200" b="0" i="1" smtClean="0">
+                        <a:rPr lang="en-CA" sz="2400" b="0" i="1" smtClean="0">
                           <a:solidFill>
                             <a:schemeClr val="tx1"/>
                           </a:solidFill>
@@ -21053,7 +21278,7 @@
                       <m:sSub>
                         <m:sSubPr>
                           <m:ctrlPr>
-                            <a:rPr lang="en-CA" sz="2200" b="0" i="1" smtClean="0">
+                            <a:rPr lang="en-CA" sz="2400" b="0" i="1" smtClean="0">
                               <a:solidFill>
                                 <a:schemeClr val="tx1"/>
                               </a:solidFill>
@@ -21065,7 +21290,7 @@
                         </m:sSubPr>
                         <m:e>
                           <m:r>
-                            <a:rPr lang="en-CA" sz="2200" b="0" i="1" smtClean="0">
+                            <a:rPr lang="en-CA" sz="2400" b="0" i="1" smtClean="0">
                               <a:solidFill>
                                 <a:schemeClr val="tx1"/>
                               </a:solidFill>
@@ -21078,7 +21303,7 @@
                         </m:e>
                         <m:sub>
                           <m:r>
-                            <a:rPr lang="en-US" sz="2200" b="0" i="1" smtClean="0">
+                            <a:rPr lang="en-US" sz="2400" b="0" i="1" smtClean="0">
                               <a:solidFill>
                                 <a:schemeClr val="tx1"/>
                               </a:solidFill>
@@ -21091,7 +21316,7 @@
                         </m:sub>
                       </m:sSub>
                       <m:r>
-                        <a:rPr lang="en-CA" sz="2200" b="0" i="1" smtClean="0">
+                        <a:rPr lang="en-CA" sz="2400" b="0" i="1" smtClean="0">
                           <a:solidFill>
                             <a:schemeClr val="tx1"/>
                           </a:solidFill>
@@ -21104,7 +21329,7 @@
                       <m:sSub>
                         <m:sSubPr>
                           <m:ctrlPr>
-                            <a:rPr lang="en-CA" sz="2200" b="0" i="1" smtClean="0">
+                            <a:rPr lang="en-CA" sz="2400" b="0" i="1" smtClean="0">
                               <a:solidFill>
                                 <a:schemeClr val="tx1"/>
                               </a:solidFill>
@@ -21116,7 +21341,7 @@
                         </m:sSubPr>
                         <m:e>
                           <m:r>
-                            <a:rPr lang="en-CA" sz="2200" b="0" i="1" smtClean="0">
+                            <a:rPr lang="en-CA" sz="2400" b="0" i="1" smtClean="0">
                               <a:solidFill>
                                 <a:schemeClr val="tx1"/>
                               </a:solidFill>
@@ -21129,7 +21354,7 @@
                         </m:e>
                         <m:sub>
                           <m:r>
-                            <a:rPr lang="en-US" sz="2200" b="0" i="1" smtClean="0">
+                            <a:rPr lang="en-US" sz="2400" b="0" i="1" smtClean="0">
                               <a:solidFill>
                                 <a:schemeClr val="tx1"/>
                               </a:solidFill>
@@ -21144,7 +21369,7 @@
                       <m:sSub>
                         <m:sSubPr>
                           <m:ctrlPr>
-                            <a:rPr lang="en-US" sz="2200" b="0" i="1" smtClean="0">
+                            <a:rPr lang="en-US" sz="2400" b="0" i="1" smtClean="0">
                               <a:solidFill>
                                 <a:schemeClr val="tx1"/>
                               </a:solidFill>
@@ -21156,7 +21381,7 @@
                         </m:sSubPr>
                         <m:e>
                           <m:r>
-                            <a:rPr lang="en-US" sz="2200" b="0" i="1" smtClean="0">
+                            <a:rPr lang="en-US" sz="2400" b="0" i="1" smtClean="0">
                               <a:solidFill>
                                 <a:schemeClr val="tx1"/>
                               </a:solidFill>
@@ -21169,7 +21394,7 @@
                         </m:e>
                         <m:sub>
                           <m:r>
-                            <a:rPr lang="en-US" sz="2200" b="0" i="1" smtClean="0">
+                            <a:rPr lang="en-US" sz="2400" b="0" i="1" smtClean="0">
                               <a:solidFill>
                                 <a:schemeClr val="tx1"/>
                               </a:solidFill>
@@ -21182,7 +21407,7 @@
                         </m:sub>
                       </m:sSub>
                       <m:r>
-                        <a:rPr lang="en-US" sz="2200" b="0" i="1" smtClean="0">
+                        <a:rPr lang="en-US" sz="2400" b="0" i="1" smtClean="0">
                           <a:solidFill>
                             <a:schemeClr val="tx1"/>
                           </a:solidFill>
@@ -21195,7 +21420,7 @@
                       <m:sSub>
                         <m:sSubPr>
                           <m:ctrlPr>
-                            <a:rPr lang="en-US" sz="2200" b="0" i="1" smtClean="0">
+                            <a:rPr lang="en-US" sz="2400" b="0" i="1" smtClean="0">
                               <a:solidFill>
                                 <a:schemeClr val="tx1"/>
                               </a:solidFill>
@@ -21207,7 +21432,7 @@
                         </m:sSubPr>
                         <m:e>
                           <m:r>
-                            <a:rPr lang="en-US" sz="2200" b="0" i="1" smtClean="0">
+                            <a:rPr lang="en-US" sz="2400" b="0" i="1" smtClean="0">
                               <a:solidFill>
                                 <a:schemeClr val="tx1"/>
                               </a:solidFill>
@@ -21220,7 +21445,7 @@
                         </m:e>
                         <m:sub>
                           <m:r>
-                            <a:rPr lang="en-US" sz="2200" b="0" i="1" smtClean="0">
+                            <a:rPr lang="en-US" sz="2400" b="0" i="1" smtClean="0">
                               <a:solidFill>
                                 <a:schemeClr val="tx1"/>
                               </a:solidFill>
@@ -21235,7 +21460,7 @@
                       <m:sSub>
                         <m:sSubPr>
                           <m:ctrlPr>
-                            <a:rPr lang="en-US" sz="2200" b="0" i="1" smtClean="0">
+                            <a:rPr lang="en-US" sz="2400" b="0" i="1" smtClean="0">
                               <a:solidFill>
                                 <a:schemeClr val="tx1"/>
                               </a:solidFill>
@@ -21247,7 +21472,7 @@
                         </m:sSubPr>
                         <m:e>
                           <m:r>
-                            <a:rPr lang="en-US" sz="2200" b="0" i="1" smtClean="0">
+                            <a:rPr lang="en-US" sz="2400" b="0" i="1" smtClean="0">
                               <a:solidFill>
                                 <a:schemeClr val="tx1"/>
                               </a:solidFill>
@@ -21260,7 +21485,7 @@
                         </m:e>
                         <m:sub>
                           <m:r>
-                            <a:rPr lang="en-US" sz="2200" b="0" i="1" smtClean="0">
+                            <a:rPr lang="en-US" sz="2400" b="0" i="1" smtClean="0">
                               <a:solidFill>
                                 <a:schemeClr val="tx1"/>
                               </a:solidFill>
@@ -21273,7 +21498,7 @@
                         </m:sub>
                       </m:sSub>
                       <m:r>
-                        <a:rPr lang="en-US" sz="2200" b="0" i="1" smtClean="0">
+                        <a:rPr lang="en-US" sz="2400" b="0" i="1" smtClean="0">
                           <a:solidFill>
                             <a:schemeClr val="tx1"/>
                           </a:solidFill>
@@ -21286,7 +21511,7 @@
                       <m:sSub>
                         <m:sSubPr>
                           <m:ctrlPr>
-                            <a:rPr lang="en-US" sz="2200" b="0" i="1" smtClean="0">
+                            <a:rPr lang="en-US" sz="2400" b="0" i="1" smtClean="0">
                               <a:solidFill>
                                 <a:schemeClr val="tx1"/>
                               </a:solidFill>
@@ -21298,7 +21523,7 @@
                         </m:sSubPr>
                         <m:e>
                           <m:r>
-                            <a:rPr lang="en-US" sz="2200" b="0" i="1" smtClean="0">
+                            <a:rPr lang="en-US" sz="2400" b="0" i="1" smtClean="0">
                               <a:solidFill>
                                 <a:schemeClr val="tx1"/>
                               </a:solidFill>
@@ -21311,7 +21536,7 @@
                         </m:e>
                         <m:sub>
                           <m:r>
-                            <a:rPr lang="en-US" sz="2200" b="0" i="1" smtClean="0">
+                            <a:rPr lang="en-US" sz="2400" b="0" i="1" smtClean="0">
                               <a:solidFill>
                                 <a:schemeClr val="tx1"/>
                               </a:solidFill>
@@ -21326,7 +21551,7 @@
                       <m:sSub>
                         <m:sSubPr>
                           <m:ctrlPr>
-                            <a:rPr lang="en-US" sz="2200" b="0" i="1" smtClean="0">
+                            <a:rPr lang="en-US" sz="2400" b="0" i="1" smtClean="0">
                               <a:solidFill>
                                 <a:schemeClr val="tx1"/>
                               </a:solidFill>
@@ -21338,7 +21563,7 @@
                         </m:sSubPr>
                         <m:e>
                           <m:r>
-                            <a:rPr lang="en-US" sz="2200" b="0" i="1" smtClean="0">
+                            <a:rPr lang="en-US" sz="2400" b="0" i="1" smtClean="0">
                               <a:solidFill>
                                 <a:schemeClr val="tx1"/>
                               </a:solidFill>
@@ -21351,7 +21576,7 @@
                         </m:e>
                         <m:sub>
                           <m:r>
-                            <a:rPr lang="en-US" sz="2200" b="0" i="1" smtClean="0">
+                            <a:rPr lang="en-US" sz="2400" b="0" i="1" smtClean="0">
                               <a:solidFill>
                                 <a:schemeClr val="tx1"/>
                               </a:solidFill>
@@ -21364,7 +21589,7 @@
                         </m:sub>
                       </m:sSub>
                       <m:r>
-                        <a:rPr lang="en-CA" sz="2200" b="0" i="1" smtClean="0">
+                        <a:rPr lang="en-CA" sz="2400" b="0" i="1" smtClean="0">
                           <a:solidFill>
                             <a:schemeClr val="tx1"/>
                           </a:solidFill>
@@ -21375,7 +21600,7 @@
                         <m:t>+</m:t>
                       </m:r>
                       <m:r>
-                        <a:rPr lang="en-US" sz="2200" b="0" i="1" smtClean="0">
+                        <a:rPr lang="en-US" sz="2400" b="0" i="1" smtClean="0">
                           <a:solidFill>
                             <a:schemeClr val="tx1"/>
                           </a:solidFill>
@@ -21388,7 +21613,7 @@
                     </m:oMath>
                   </m:oMathPara>
                 </a14:m>
-                <a:endParaRPr lang="en-CA" sz="2200" dirty="0">
+                <a:endParaRPr lang="en-CA" sz="2400" dirty="0">
                   <a:solidFill>
                     <a:schemeClr val="tx1"/>
                   </a:solidFill>
@@ -21401,7 +21626,7 @@
                 <a14:m>
                   <m:oMath xmlns:m="http://schemas.openxmlformats.org/officeDocument/2006/math">
                     <m:r>
-                      <a:rPr lang="en-US" sz="2200" b="0" i="1" smtClean="0">
+                      <a:rPr lang="en-US" sz="2400" b="0" i="1" smtClean="0">
                         <a:latin typeface="Cambria Math" panose="02040503050406030204" pitchFamily="18" charset="0"/>
                         <a:cs typeface="Times New Roman" panose="02020603050405020304" pitchFamily="18" charset="0"/>
                       </a:rPr>
@@ -21410,7 +21635,7 @@
                   </m:oMath>
                 </a14:m>
                 <a:r>
-                  <a:rPr lang="en-US" sz="2200" dirty="0">
+                  <a:rPr lang="en-US" sz="2400" dirty="0">
                     <a:cs typeface="Times New Roman" panose="02020603050405020304" pitchFamily="18" charset="0"/>
                   </a:rPr>
                   <a:t> is the dependent variable (outcome)</a:t>
@@ -21418,7 +21643,7 @@
               </a:p>
               <a:p>
                 <a:r>
-                  <a:rPr lang="en-US" sz="2200" b="0" dirty="0">
+                  <a:rPr lang="en-US" sz="2400" b="0" dirty="0">
                     <a:cs typeface="Times New Roman" panose="02020603050405020304" pitchFamily="18" charset="0"/>
                   </a:rPr>
                   <a:t>Each </a:t>
@@ -21428,7 +21653,7 @@
                     <m:sSub>
                       <m:sSubPr>
                         <m:ctrlPr>
-                          <a:rPr lang="en-US" sz="2200" b="0" i="1" smtClean="0">
+                          <a:rPr lang="en-US" sz="2400" b="0" i="1" smtClean="0">
                             <a:latin typeface="Cambria Math" panose="02040503050406030204" pitchFamily="18" charset="0"/>
                             <a:cs typeface="Times New Roman" panose="02020603050405020304" pitchFamily="18" charset="0"/>
                           </a:rPr>
@@ -21436,7 +21661,7 @@
                       </m:sSubPr>
                       <m:e>
                         <m:r>
-                          <a:rPr lang="en-US" sz="2200" b="0" i="1" smtClean="0">
+                          <a:rPr lang="en-US" sz="2400" b="0" i="1" smtClean="0">
                             <a:latin typeface="Cambria Math" panose="02040503050406030204" pitchFamily="18" charset="0"/>
                             <a:cs typeface="Times New Roman" panose="02020603050405020304" pitchFamily="18" charset="0"/>
                           </a:rPr>
@@ -21445,7 +21670,7 @@
                       </m:e>
                       <m:sub>
                         <m:r>
-                          <a:rPr lang="en-US" sz="2200" b="0" i="1" smtClean="0">
+                          <a:rPr lang="en-US" sz="2400" b="0" i="1" smtClean="0">
                             <a:latin typeface="Cambria Math" panose="02040503050406030204" pitchFamily="18" charset="0"/>
                             <a:cs typeface="Times New Roman" panose="02020603050405020304" pitchFamily="18" charset="0"/>
                           </a:rPr>
@@ -21456,7 +21681,7 @@
                   </m:oMath>
                 </a14:m>
                 <a:r>
-                  <a:rPr lang="en-US" sz="2200" dirty="0">
+                  <a:rPr lang="en-US" sz="2400" dirty="0">
                     <a:cs typeface="Times New Roman" panose="02020603050405020304" pitchFamily="18" charset="0"/>
                   </a:rPr>
                   <a:t> is a different independent variable:</a:t>
@@ -21465,7 +21690,7 @@
               <a:p>
                 <a:pPr lvl="1"/>
                 <a:r>
-                  <a:rPr lang="en-US" sz="2000" dirty="0">
+                  <a:rPr lang="en-US" sz="2400" dirty="0">
                     <a:cs typeface="Times New Roman" panose="02020603050405020304" pitchFamily="18" charset="0"/>
                   </a:rPr>
                   <a:t>Treatment status</a:t>
@@ -21474,7 +21699,7 @@
               <a:p>
                 <a:pPr lvl="1"/>
                 <a:r>
-                  <a:rPr lang="en-US" sz="2000" dirty="0">
+                  <a:rPr lang="en-US" sz="2400" dirty="0">
                     <a:cs typeface="Times New Roman" panose="02020603050405020304" pitchFamily="18" charset="0"/>
                   </a:rPr>
                   <a:t>Demographics (race, income, education, location, etc.)</a:t>
@@ -21482,21 +21707,21 @@
               </a:p>
               <a:p>
                 <a:r>
-                  <a:rPr lang="en-US" sz="2200" b="1" dirty="0">
+                  <a:rPr lang="en-US" sz="2400" b="1" dirty="0">
                     <a:cs typeface="Times New Roman" panose="02020603050405020304" pitchFamily="18" charset="0"/>
                   </a:rPr>
                   <a:t>Why would we want to include multiple variables in a regression? </a:t>
                 </a:r>
               </a:p>
               <a:p>
-                <a:endParaRPr lang="en-US" sz="2200" dirty="0">
+                <a:endParaRPr lang="en-US" sz="2400" dirty="0">
                   <a:cs typeface="Times New Roman" panose="02020603050405020304" pitchFamily="18" charset="0"/>
                 </a:endParaRPr>
               </a:p>
             </p:txBody>
           </p:sp>
         </mc:Choice>
-        <mc:Fallback xmlns="">
+        <mc:Fallback>
           <p:sp>
             <p:nvSpPr>
               <p:cNvPr id="3" name="Content Placeholder 2"/>
@@ -21515,7 +21740,7 @@
               <a:blipFill>
                 <a:blip r:embed="rId2"/>
                 <a:stretch>
-                  <a:fillRect l="-389"/>
+                  <a:fillRect l="-454"/>
                 </a:stretch>
               </a:blipFill>
             </p:spPr>
@@ -22005,8 +22230,8 @@
           </a:fontRef>
         </p:style>
       </p:cxnSp>
-      <mc:AlternateContent xmlns:mc="http://schemas.openxmlformats.org/markup-compatibility/2006" xmlns:a14="http://schemas.microsoft.com/office/drawing/2010/main">
-        <mc:Choice Requires="a14">
+      <mc:AlternateContent xmlns:mc="http://schemas.openxmlformats.org/markup-compatibility/2006">
+        <mc:Choice xmlns:a14="http://schemas.microsoft.com/office/drawing/2010/main" Requires="a14">
           <p:sp>
             <p:nvSpPr>
               <p:cNvPr id="25" name="TextBox 24">
@@ -22022,7 +22247,7 @@
             <p:spPr>
               <a:xfrm>
                 <a:off x="520020" y="4038600"/>
-                <a:ext cx="3429000" cy="1200329"/>
+                <a:ext cx="3429000" cy="1323439"/>
               </a:xfrm>
               <a:prstGeom prst="rect">
                 <a:avLst/>
@@ -22043,11 +22268,11 @@
               <a:lstStyle/>
               <a:p>
                 <a:r>
-                  <a:rPr lang="en-US" dirty="0"/>
+                  <a:rPr lang="en-US" sz="2000" dirty="0"/>
                   <a:t>Y: </a:t>
                 </a:r>
                 <a:r>
-                  <a:rPr lang="en-US" b="1" dirty="0">
+                  <a:rPr lang="en-US" sz="2000" b="1" dirty="0">
                     <a:solidFill>
                       <a:schemeClr val="accent2">
                         <a:lumMod val="75000"/>
@@ -22056,7 +22281,7 @@
                   </a:rPr>
                   <a:t>Hospitalization Rate</a:t>
                 </a:r>
-                <a:endParaRPr lang="en-US" dirty="0">
+                <a:endParaRPr lang="en-US" sz="2000" dirty="0">
                   <a:solidFill>
                     <a:schemeClr val="accent2">
                       <a:lumMod val="75000"/>
@@ -22066,11 +22291,11 @@
               </a:p>
               <a:p>
                 <a:r>
-                  <a:rPr lang="en-US" dirty="0"/>
+                  <a:rPr lang="en-US" sz="2000" dirty="0"/>
                   <a:t>D: </a:t>
                 </a:r>
                 <a:r>
-                  <a:rPr lang="en-US" b="1" dirty="0">
+                  <a:rPr lang="en-US" sz="2000" b="1" dirty="0">
                     <a:solidFill>
                       <a:schemeClr val="accent3">
                         <a:lumMod val="75000"/>
@@ -22079,7 +22304,7 @@
                   </a:rPr>
                   <a:t>Health Behaviors</a:t>
                 </a:r>
-                <a:endParaRPr lang="en-US" dirty="0">
+                <a:endParaRPr lang="en-US" sz="2000" dirty="0">
                   <a:solidFill>
                     <a:schemeClr val="accent3">
                       <a:lumMod val="75000"/>
@@ -22089,27 +22314,27 @@
               </a:p>
               <a:p>
                 <a:r>
-                  <a:rPr lang="en-US" dirty="0"/>
+                  <a:rPr lang="en-US" sz="2000" dirty="0"/>
                   <a:t>X: </a:t>
                 </a:r>
                 <a:r>
-                  <a:rPr lang="en-US" b="1" dirty="0"/>
+                  <a:rPr lang="en-US" sz="2000" b="1" dirty="0"/>
                   <a:t>Education</a:t>
                 </a:r>
                 <a:r>
-                  <a:rPr lang="en-US" dirty="0"/>
+                  <a:rPr lang="en-US" sz="2000" dirty="0"/>
                   <a:t> </a:t>
                 </a:r>
               </a:p>
               <a:p>
                 <a:r>
-                  <a:rPr lang="en-US" dirty="0"/>
+                  <a:rPr lang="en-US" sz="2000" dirty="0"/>
                   <a:t>	Affects both </a:t>
                 </a:r>
                 <a14:m>
                   <m:oMath xmlns:m="http://schemas.openxmlformats.org/officeDocument/2006/math">
                     <m:r>
-                      <a:rPr lang="en-US" b="0" i="1" smtClean="0">
+                      <a:rPr lang="en-US" sz="2000" b="0" i="1" smtClean="0">
                         <a:latin typeface="Cambria Math" panose="02040503050406030204" pitchFamily="18" charset="0"/>
                       </a:rPr>
                       <m:t>𝐷</m:t>
@@ -22117,13 +22342,13 @@
                   </m:oMath>
                 </a14:m>
                 <a:r>
-                  <a:rPr lang="en-US" dirty="0"/>
+                  <a:rPr lang="en-US" sz="2000" dirty="0"/>
                   <a:t> and </a:t>
                 </a:r>
                 <a14:m>
                   <m:oMath xmlns:m="http://schemas.openxmlformats.org/officeDocument/2006/math">
                     <m:r>
-                      <a:rPr lang="en-US" b="0" i="1" smtClean="0">
+                      <a:rPr lang="en-US" sz="2000" b="0" i="1" smtClean="0">
                         <a:latin typeface="Cambria Math" panose="02040503050406030204" pitchFamily="18" charset="0"/>
                       </a:rPr>
                       <m:t>𝑌</m:t>
@@ -22131,14 +22356,14 @@
                   </m:oMath>
                 </a14:m>
                 <a:r>
-                  <a:rPr lang="en-US" dirty="0"/>
+                  <a:rPr lang="en-US" sz="2000" dirty="0"/>
                   <a:t>!</a:t>
                 </a:r>
               </a:p>
             </p:txBody>
           </p:sp>
         </mc:Choice>
-        <mc:Fallback xmlns="">
+        <mc:Fallback>
           <p:sp>
             <p:nvSpPr>
               <p:cNvPr id="25" name="TextBox 24">
@@ -22156,7 +22381,7 @@
             <p:spPr>
               <a:xfrm>
                 <a:off x="520020" y="4038600"/>
-                <a:ext cx="3429000" cy="1200329"/>
+                <a:ext cx="3429000" cy="1323439"/>
               </a:xfrm>
               <a:prstGeom prst="rect">
                 <a:avLst/>
@@ -22164,7 +22389,7 @@
               <a:blipFill>
                 <a:blip r:embed="rId6"/>
                 <a:stretch>
-                  <a:fillRect l="-879" t="-1485" b="-5446"/>
+                  <a:fillRect l="-1230" t="-1345" b="-5381"/>
                 </a:stretch>
               </a:blipFill>
               <a:ln w="38100">
